--- a/100 - Analog Electronics Fundamentals/Analog Electronics Fundamentals 102.pptx
+++ b/100 - Analog Electronics Fundamentals/Analog Electronics Fundamentals 102.pptx
@@ -302,7 +302,7 @@
             <a:fld id="{29A1C4C6-CF9E-4C57-810C-C8B73CF99206}" type="datetimeFigureOut">
               <a:rPr lang="en-CA" smtClean="0"/>
               <a:pPr/>
-              <a:t>03/05/2012</a:t>
+              <a:t>13/05/2012</a:t>
             </a:fld>
             <a:endParaRPr lang="en-CA"/>
           </a:p>
@@ -469,7 +469,7 @@
             <a:fld id="{29A1C4C6-CF9E-4C57-810C-C8B73CF99206}" type="datetimeFigureOut">
               <a:rPr lang="en-CA" smtClean="0"/>
               <a:pPr/>
-              <a:t>03/05/2012</a:t>
+              <a:t>13/05/2012</a:t>
             </a:fld>
             <a:endParaRPr lang="en-CA"/>
           </a:p>
@@ -646,7 +646,7 @@
             <a:fld id="{29A1C4C6-CF9E-4C57-810C-C8B73CF99206}" type="datetimeFigureOut">
               <a:rPr lang="en-CA" smtClean="0"/>
               <a:pPr/>
-              <a:t>03/05/2012</a:t>
+              <a:t>13/05/2012</a:t>
             </a:fld>
             <a:endParaRPr lang="en-CA"/>
           </a:p>
@@ -813,7 +813,7 @@
             <a:fld id="{29A1C4C6-CF9E-4C57-810C-C8B73CF99206}" type="datetimeFigureOut">
               <a:rPr lang="en-CA" smtClean="0"/>
               <a:pPr/>
-              <a:t>03/05/2012</a:t>
+              <a:t>13/05/2012</a:t>
             </a:fld>
             <a:endParaRPr lang="en-CA"/>
           </a:p>
@@ -1056,7 +1056,7 @@
             <a:fld id="{29A1C4C6-CF9E-4C57-810C-C8B73CF99206}" type="datetimeFigureOut">
               <a:rPr lang="en-CA" smtClean="0"/>
               <a:pPr/>
-              <a:t>03/05/2012</a:t>
+              <a:t>13/05/2012</a:t>
             </a:fld>
             <a:endParaRPr lang="en-CA"/>
           </a:p>
@@ -1341,7 +1341,7 @@
             <a:fld id="{29A1C4C6-CF9E-4C57-810C-C8B73CF99206}" type="datetimeFigureOut">
               <a:rPr lang="en-CA" smtClean="0"/>
               <a:pPr/>
-              <a:t>03/05/2012</a:t>
+              <a:t>13/05/2012</a:t>
             </a:fld>
             <a:endParaRPr lang="en-CA"/>
           </a:p>
@@ -1760,7 +1760,7 @@
             <a:fld id="{29A1C4C6-CF9E-4C57-810C-C8B73CF99206}" type="datetimeFigureOut">
               <a:rPr lang="en-CA" smtClean="0"/>
               <a:pPr/>
-              <a:t>03/05/2012</a:t>
+              <a:t>13/05/2012</a:t>
             </a:fld>
             <a:endParaRPr lang="en-CA"/>
           </a:p>
@@ -1875,7 +1875,7 @@
             <a:fld id="{29A1C4C6-CF9E-4C57-810C-C8B73CF99206}" type="datetimeFigureOut">
               <a:rPr lang="en-CA" smtClean="0"/>
               <a:pPr/>
-              <a:t>03/05/2012</a:t>
+              <a:t>13/05/2012</a:t>
             </a:fld>
             <a:endParaRPr lang="en-CA"/>
           </a:p>
@@ -1967,7 +1967,7 @@
             <a:fld id="{29A1C4C6-CF9E-4C57-810C-C8B73CF99206}" type="datetimeFigureOut">
               <a:rPr lang="en-CA" smtClean="0"/>
               <a:pPr/>
-              <a:t>03/05/2012</a:t>
+              <a:t>13/05/2012</a:t>
             </a:fld>
             <a:endParaRPr lang="en-CA"/>
           </a:p>
@@ -2241,7 +2241,7 @@
             <a:fld id="{29A1C4C6-CF9E-4C57-810C-C8B73CF99206}" type="datetimeFigureOut">
               <a:rPr lang="en-CA" smtClean="0"/>
               <a:pPr/>
-              <a:t>03/05/2012</a:t>
+              <a:t>13/05/2012</a:t>
             </a:fld>
             <a:endParaRPr lang="en-CA"/>
           </a:p>
@@ -2491,7 +2491,7 @@
             <a:fld id="{29A1C4C6-CF9E-4C57-810C-C8B73CF99206}" type="datetimeFigureOut">
               <a:rPr lang="en-CA" smtClean="0"/>
               <a:pPr/>
-              <a:t>03/05/2012</a:t>
+              <a:t>13/05/2012</a:t>
             </a:fld>
             <a:endParaRPr lang="en-CA"/>
           </a:p>
@@ -2701,7 +2701,7 @@
             <a:fld id="{29A1C4C6-CF9E-4C57-810C-C8B73CF99206}" type="datetimeFigureOut">
               <a:rPr lang="en-CA" smtClean="0"/>
               <a:pPr/>
-              <a:t>03/05/2012</a:t>
+              <a:t>13/05/2012</a:t>
             </a:fld>
             <a:endParaRPr lang="en-CA"/>
           </a:p>
@@ -3174,18 +3174,7 @@
                   </a:schemeClr>
                 </a:solidFill>
               </a:rPr>
-              <a:t>-Diodes, </a:t>
-            </a:r>
-            <a:r>
-              <a:rPr lang="en-CA" dirty="0" smtClean="0">
-                <a:solidFill>
-                  <a:schemeClr val="tx1">
-                    <a:lumMod val="75000"/>
-                    <a:lumOff val="25000"/>
-                  </a:schemeClr>
-                </a:solidFill>
-              </a:rPr>
-              <a:t>LEDs</a:t>
+              <a:t>-Diodes, LEDs</a:t>
             </a:r>
           </a:p>
           <a:p>
@@ -3201,14 +3190,6 @@
               </a:rPr>
               <a:t>-Relays</a:t>
             </a:r>
-            <a:endParaRPr lang="en-CA" dirty="0" smtClean="0">
-              <a:solidFill>
-                <a:schemeClr val="tx1">
-                  <a:lumMod val="75000"/>
-                  <a:lumOff val="25000"/>
-                </a:schemeClr>
-              </a:solidFill>
-            </a:endParaRPr>
           </a:p>
           <a:p>
             <a:pPr algn="l"/>
@@ -3235,18 +3216,7 @@
                   </a:schemeClr>
                 </a:solidFill>
               </a:rPr>
-              <a:t>-</a:t>
-            </a:r>
-            <a:r>
-              <a:rPr lang="en-CA" dirty="0" smtClean="0">
-                <a:solidFill>
-                  <a:schemeClr val="tx1">
-                    <a:lumMod val="75000"/>
-                    <a:lumOff val="25000"/>
-                  </a:schemeClr>
-                </a:solidFill>
-              </a:rPr>
-              <a:t>Breadboards</a:t>
+              <a:t>-Breadboards</a:t>
             </a:r>
           </a:p>
           <a:p>
@@ -3277,7 +3247,7 @@
               <a:t>-Lab2: Relay, LED, </a:t>
             </a:r>
             <a:r>
-              <a:rPr lang="en-CA" dirty="0" err="1" smtClean="0">
+              <a:rPr lang="en-CA" dirty="0" smtClean="0">
                 <a:solidFill>
                   <a:schemeClr val="tx1">
                     <a:lumMod val="75000"/>
@@ -3285,7 +3255,7 @@
                   </a:schemeClr>
                 </a:solidFill>
               </a:rPr>
-              <a:t>Pusbutton</a:t>
+              <a:t>Pushbutton</a:t>
             </a:r>
             <a:endParaRPr lang="en-CA" dirty="0" smtClean="0">
               <a:solidFill>
@@ -3446,11 +3416,7 @@
             <a:pPr algn="l"/>
             <a:r>
               <a:rPr lang="en-CA" dirty="0" smtClean="0"/>
-              <a:t>5.1</a:t>
-            </a:r>
-            <a:r>
-              <a:rPr lang="en-CA" dirty="0" smtClean="0"/>
-              <a:t>	 </a:t>
+              <a:t>5.1	 </a:t>
             </a:r>
             <a:r>
               <a:rPr lang="en-CA" u="sng" dirty="0" smtClean="0"/>
@@ -3666,11 +3632,7 @@
             <a:pPr algn="l"/>
             <a:r>
               <a:rPr lang="en-CA" dirty="0" smtClean="0"/>
-              <a:t>6</a:t>
-            </a:r>
-            <a:r>
-              <a:rPr lang="en-CA" dirty="0" smtClean="0"/>
-              <a:t>	 </a:t>
+              <a:t>6	 </a:t>
             </a:r>
             <a:r>
               <a:rPr lang="en-CA" u="sng" dirty="0" smtClean="0"/>
@@ -3905,11 +3867,7 @@
             <a:pPr algn="l"/>
             <a:r>
               <a:rPr lang="en-CA" dirty="0" smtClean="0"/>
-              <a:t>7</a:t>
-            </a:r>
-            <a:r>
-              <a:rPr lang="en-CA" dirty="0" smtClean="0"/>
-              <a:t>	 </a:t>
+              <a:t>7	 </a:t>
             </a:r>
             <a:r>
               <a:rPr lang="en-CA" u="sng" dirty="0" smtClean="0"/>
@@ -4044,11 +4002,7 @@
             <a:pPr algn="l"/>
             <a:r>
               <a:rPr lang="en-CA" dirty="0" smtClean="0"/>
-              <a:t>8</a:t>
-            </a:r>
-            <a:r>
-              <a:rPr lang="en-CA" dirty="0" smtClean="0"/>
-              <a:t>	 </a:t>
+              <a:t>8	 </a:t>
             </a:r>
             <a:r>
               <a:rPr lang="en-CA" u="sng" dirty="0" smtClean="0"/>
@@ -4112,7 +4066,7 @@
       </p:pic>
       <p:pic>
         <p:nvPicPr>
-          <p:cNvPr id="9" name="Content Placeholder 8" descr="Capture.PNG"/>
+          <p:cNvPr id="11" name="Content Placeholder 10" descr="Capture.PNG"/>
           <p:cNvPicPr>
             <a:picLocks noGrp="1" noChangeAspect="1"/>
           </p:cNvPicPr>
@@ -4128,8 +4082,8 @@
         </p:blipFill>
         <p:spPr>
           <a:xfrm>
-            <a:off x="2627784" y="1124744"/>
-            <a:ext cx="3600400" cy="5458670"/>
+            <a:off x="1950824" y="1600200"/>
+            <a:ext cx="5242351" cy="4525963"/>
           </a:xfrm>
         </p:spPr>
       </p:pic>
@@ -4183,11 +4137,7 @@
             <a:pPr algn="l"/>
             <a:r>
               <a:rPr lang="en-CA" dirty="0" smtClean="0"/>
-              <a:t>9</a:t>
-            </a:r>
-            <a:r>
-              <a:rPr lang="en-CA" dirty="0" smtClean="0"/>
-              <a:t>	 </a:t>
+              <a:t>9	 </a:t>
             </a:r>
             <a:r>
               <a:rPr lang="en-CA" u="sng" dirty="0" smtClean="0"/>
@@ -4249,25 +4199,29 @@
           </a:prstGeom>
         </p:spPr>
       </p:pic>
-      <p:sp>
-        <p:nvSpPr>
-          <p:cNvPr id="8" name="Content Placeholder 7"/>
-          <p:cNvSpPr>
-            <a:spLocks noGrp="1"/>
-          </p:cNvSpPr>
+      <p:pic>
+        <p:nvPicPr>
+          <p:cNvPr id="12" name="Content Placeholder 11" descr="Capture.PNG"/>
+          <p:cNvPicPr>
+            <a:picLocks noGrp="1" noChangeAspect="1"/>
+          </p:cNvPicPr>
           <p:nvPr>
             <p:ph idx="1"/>
           </p:nvPr>
-        </p:nvSpPr>
-        <p:spPr/>
-        <p:txBody>
-          <a:bodyPr/>
-          <a:lstStyle/>
-          <a:p>
-            <a:endParaRPr lang="en-CA"/>
-          </a:p>
-        </p:txBody>
-      </p:sp>
+        </p:nvPicPr>
+        <p:blipFill>
+          <a:blip r:embed="rId6" cstate="print"/>
+          <a:stretch>
+            <a:fillRect/>
+          </a:stretch>
+        </p:blipFill>
+        <p:spPr>
+          <a:xfrm>
+            <a:off x="1207130" y="1600200"/>
+            <a:ext cx="6729739" cy="4525963"/>
+          </a:xfrm>
+        </p:spPr>
+      </p:pic>
     </p:spTree>
   </p:cSld>
   <p:clrMapOvr>
@@ -5821,11 +5775,7 @@
             <a:pPr algn="l"/>
             <a:r>
               <a:rPr lang="en-CA" dirty="0" smtClean="0"/>
-              <a:t>4</a:t>
-            </a:r>
-            <a:r>
-              <a:rPr lang="en-CA" dirty="0" smtClean="0"/>
-              <a:t>	 </a:t>
+              <a:t>4	 </a:t>
             </a:r>
             <a:r>
               <a:rPr lang="en-CA" u="sng" dirty="0" smtClean="0"/>
@@ -5996,11 +5946,7 @@
             <a:pPr algn="l"/>
             <a:r>
               <a:rPr lang="en-CA" dirty="0" smtClean="0"/>
-              <a:t>5</a:t>
-            </a:r>
-            <a:r>
-              <a:rPr lang="en-CA" dirty="0" smtClean="0"/>
-              <a:t>	 </a:t>
+              <a:t>5	 </a:t>
             </a:r>
             <a:r>
               <a:rPr lang="en-CA" u="sng" dirty="0" smtClean="0"/>
